--- a/System Layout.pptx
+++ b/System Layout.pptx
@@ -104,6 +104,11 @@
       </a:defRPr>
     </a:lvl9pPr>
   </p:defaultTextStyle>
+  <p:extLst>
+    <p:ext uri="{EFAFB233-063F-42B5-8137-9DF3F51BA10A}">
+      <p15:sldGuideLst xmlns:p15="http://schemas.microsoft.com/office/powerpoint/2012/main"/>
+    </p:ext>
+  </p:extLst>
 </p:presentation>
 </file>
 
@@ -2972,7 +2977,7 @@
         </p:nvSpPr>
         <p:spPr>
           <a:xfrm>
-            <a:off x="2389910" y="2628901"/>
+            <a:off x="2303849" y="2994661"/>
             <a:ext cx="1943100" cy="1371600"/>
           </a:xfrm>
           <a:prstGeom prst="rect">
@@ -3002,14 +3007,15 @@
             <a:pPr algn="ctr"/>
             <a:r>
               <a:rPr lang="en-US" dirty="0" smtClean="0"/>
-              <a:t>Control Software (Python)</a:t>
-            </a:r>
-          </a:p>
-          <a:p>
-            <a:pPr algn="ctr"/>
+              <a:t>Control Software </a:t>
+            </a:r>
             <a:r>
               <a:rPr lang="en-US" dirty="0" smtClean="0"/>
-              <a:t>“ShrewView”</a:t>
+              <a:t>“</a:t>
+            </a:r>
+            <a:r>
+              <a:rPr lang="en-US" dirty="0" smtClean="0"/>
+              <a:t>ShrewView”</a:t>
             </a:r>
             <a:endParaRPr lang="en-US" dirty="0"/>
           </a:p>
@@ -3023,7 +3029,7 @@
         </p:nvSpPr>
         <p:spPr>
           <a:xfrm>
-            <a:off x="2608119" y="987137"/>
+            <a:off x="2522058" y="1352897"/>
             <a:ext cx="1465118" cy="685800"/>
           </a:xfrm>
           <a:prstGeom prst="rect">
@@ -3067,7 +3073,7 @@
         </p:nvSpPr>
         <p:spPr>
           <a:xfrm>
-            <a:off x="4790212" y="1595005"/>
+            <a:off x="4704151" y="1960765"/>
             <a:ext cx="1527464" cy="727364"/>
           </a:xfrm>
           <a:prstGeom prst="rect">
@@ -3111,7 +3117,7 @@
         </p:nvSpPr>
         <p:spPr>
           <a:xfrm>
-            <a:off x="6478734" y="1595005"/>
+            <a:off x="6392673" y="1960765"/>
             <a:ext cx="1589809" cy="727364"/>
           </a:xfrm>
           <a:prstGeom prst="rect">
@@ -3155,7 +3161,7 @@
         </p:nvSpPr>
         <p:spPr>
           <a:xfrm>
-            <a:off x="5621483" y="2930237"/>
+            <a:off x="5535422" y="3295997"/>
             <a:ext cx="1641763" cy="768927"/>
           </a:xfrm>
           <a:prstGeom prst="rect">
@@ -3202,7 +3208,7 @@
         </p:nvCxnSpPr>
         <p:spPr>
           <a:xfrm>
-            <a:off x="5553944" y="2322369"/>
+            <a:off x="5467883" y="2688129"/>
             <a:ext cx="888421" cy="607868"/>
           </a:xfrm>
           <a:prstGeom prst="straightConnector1">
@@ -3238,7 +3244,7 @@
         </p:nvCxnSpPr>
         <p:spPr>
           <a:xfrm flipH="1">
-            <a:off x="6442365" y="2322369"/>
+            <a:off x="6356304" y="2688129"/>
             <a:ext cx="831274" cy="607868"/>
           </a:xfrm>
           <a:prstGeom prst="straightConnector1">
@@ -3274,7 +3280,7 @@
         </p:nvCxnSpPr>
         <p:spPr>
           <a:xfrm>
-            <a:off x="3340678" y="1672937"/>
+            <a:off x="3254617" y="2038697"/>
             <a:ext cx="20782" cy="955964"/>
           </a:xfrm>
           <a:prstGeom prst="straightConnector1">
@@ -3307,7 +3313,7 @@
         </p:nvSpPr>
         <p:spPr>
           <a:xfrm>
-            <a:off x="2389910" y="4790210"/>
+            <a:off x="2303849" y="5155970"/>
             <a:ext cx="1943100" cy="841663"/>
           </a:xfrm>
           <a:prstGeom prst="rect">
@@ -3354,7 +3360,7 @@
         </p:nvCxnSpPr>
         <p:spPr>
           <a:xfrm>
-            <a:off x="3361460" y="4000501"/>
+            <a:off x="3275399" y="4366261"/>
             <a:ext cx="0" cy="789709"/>
           </a:xfrm>
           <a:prstGeom prst="straightConnector1">
@@ -3390,7 +3396,7 @@
         </p:nvCxnSpPr>
         <p:spPr>
           <a:xfrm>
-            <a:off x="4333010" y="3314701"/>
+            <a:off x="4246949" y="3680461"/>
             <a:ext cx="1288473" cy="0"/>
           </a:xfrm>
           <a:prstGeom prst="straightConnector1">
@@ -3424,7 +3430,7 @@
         </p:nvSpPr>
         <p:spPr>
           <a:xfrm>
-            <a:off x="5613691" y="4187537"/>
+            <a:off x="5527630" y="4553297"/>
             <a:ext cx="1641763" cy="768927"/>
           </a:xfrm>
           <a:prstGeom prst="rect">
@@ -3478,7 +3484,7 @@
         </p:nvCxnSpPr>
         <p:spPr>
           <a:xfrm flipH="1">
-            <a:off x="6434573" y="3699164"/>
+            <a:off x="6348512" y="4064924"/>
             <a:ext cx="7792" cy="488373"/>
           </a:xfrm>
           <a:prstGeom prst="straightConnector1">
@@ -3511,7 +3517,7 @@
         </p:nvSpPr>
         <p:spPr>
           <a:xfrm>
-            <a:off x="7907482" y="4187537"/>
+            <a:off x="7821421" y="4553297"/>
             <a:ext cx="1953491" cy="768927"/>
           </a:xfrm>
           <a:prstGeom prst="rect">
@@ -3541,9 +3547,19 @@
             <a:pPr algn="ctr"/>
             <a:r>
               <a:rPr lang="en-US" dirty="0" smtClean="0"/>
-              <a:t>Nexus 10 Stim Display</a:t>
-            </a:r>
-            <a:endParaRPr lang="en-US" dirty="0"/>
+              <a:t>Nexus </a:t>
+            </a:r>
+            <a:r>
+              <a:rPr lang="en-US" dirty="0" smtClean="0"/>
+              <a:t>10</a:t>
+            </a:r>
+          </a:p>
+          <a:p>
+            <a:pPr algn="ctr"/>
+            <a:r>
+              <a:rPr lang="en-US" dirty="0" smtClean="0"/>
+              <a:t>“StimBot”</a:t>
+            </a:r>
           </a:p>
         </p:txBody>
       </p:sp>
@@ -3558,7 +3574,7 @@
         </p:nvCxnSpPr>
         <p:spPr>
           <a:xfrm>
-            <a:off x="7255454" y="4572001"/>
+            <a:off x="7169393" y="4937761"/>
             <a:ext cx="652028" cy="0"/>
           </a:xfrm>
           <a:prstGeom prst="straightConnector1">
@@ -3583,6 +3599,36 @@
           </a:fontRef>
         </p:style>
       </p:cxnSp>
+      <p:sp>
+        <p:nvSpPr>
+          <p:cNvPr id="2" name="TextBox 1"/>
+          <p:cNvSpPr txBox="1"/>
+          <p:nvPr/>
+        </p:nvSpPr>
+        <p:spPr>
+          <a:xfrm>
+            <a:off x="3361460" y="38680"/>
+            <a:ext cx="5615492" cy="584775"/>
+          </a:xfrm>
+          <a:prstGeom prst="rect">
+            <a:avLst/>
+          </a:prstGeom>
+          <a:noFill/>
+        </p:spPr>
+        <p:txBody>
+          <a:bodyPr wrap="square" rtlCol="0">
+            <a:spAutoFit/>
+          </a:bodyPr>
+          <a:lstStyle/>
+          <a:p>
+            <a:r>
+              <a:rPr lang="en-US" sz="3200" dirty="0" smtClean="0"/>
+              <a:t>ShrewDriver System Layout</a:t>
+            </a:r>
+            <a:endParaRPr lang="en-US" sz="3200" dirty="0"/>
+          </a:p>
+        </p:txBody>
+      </p:sp>
     </p:spTree>
     <p:extLst>
       <p:ext uri="{BB962C8B-B14F-4D97-AF65-F5344CB8AC3E}">

--- a/System Layout.pptx
+++ b/System Layout.pptx
@@ -243,7 +243,7 @@
           <a:p>
             <a:fld id="{D276F627-5B48-41D3-AF7B-80B10C48AB8A}" type="datetimeFigureOut">
               <a:rPr lang="en-US" smtClean="0"/>
-              <a:t>11/3/2014</a:t>
+              <a:t>7/11/2015</a:t>
             </a:fld>
             <a:endParaRPr lang="en-US"/>
           </a:p>
@@ -413,7 +413,7 @@
           <a:p>
             <a:fld id="{D276F627-5B48-41D3-AF7B-80B10C48AB8A}" type="datetimeFigureOut">
               <a:rPr lang="en-US" smtClean="0"/>
-              <a:t>11/3/2014</a:t>
+              <a:t>7/11/2015</a:t>
             </a:fld>
             <a:endParaRPr lang="en-US"/>
           </a:p>
@@ -593,7 +593,7 @@
           <a:p>
             <a:fld id="{D276F627-5B48-41D3-AF7B-80B10C48AB8A}" type="datetimeFigureOut">
               <a:rPr lang="en-US" smtClean="0"/>
-              <a:t>11/3/2014</a:t>
+              <a:t>7/11/2015</a:t>
             </a:fld>
             <a:endParaRPr lang="en-US"/>
           </a:p>
@@ -763,7 +763,7 @@
           <a:p>
             <a:fld id="{D276F627-5B48-41D3-AF7B-80B10C48AB8A}" type="datetimeFigureOut">
               <a:rPr lang="en-US" smtClean="0"/>
-              <a:t>11/3/2014</a:t>
+              <a:t>7/11/2015</a:t>
             </a:fld>
             <a:endParaRPr lang="en-US"/>
           </a:p>
@@ -1009,7 +1009,7 @@
           <a:p>
             <a:fld id="{D276F627-5B48-41D3-AF7B-80B10C48AB8A}" type="datetimeFigureOut">
               <a:rPr lang="en-US" smtClean="0"/>
-              <a:t>11/3/2014</a:t>
+              <a:t>7/11/2015</a:t>
             </a:fld>
             <a:endParaRPr lang="en-US"/>
           </a:p>
@@ -1241,7 +1241,7 @@
           <a:p>
             <a:fld id="{D276F627-5B48-41D3-AF7B-80B10C48AB8A}" type="datetimeFigureOut">
               <a:rPr lang="en-US" smtClean="0"/>
-              <a:t>11/3/2014</a:t>
+              <a:t>7/11/2015</a:t>
             </a:fld>
             <a:endParaRPr lang="en-US"/>
           </a:p>
@@ -1608,7 +1608,7 @@
           <a:p>
             <a:fld id="{D276F627-5B48-41D3-AF7B-80B10C48AB8A}" type="datetimeFigureOut">
               <a:rPr lang="en-US" smtClean="0"/>
-              <a:t>11/3/2014</a:t>
+              <a:t>7/11/2015</a:t>
             </a:fld>
             <a:endParaRPr lang="en-US"/>
           </a:p>
@@ -1726,7 +1726,7 @@
           <a:p>
             <a:fld id="{D276F627-5B48-41D3-AF7B-80B10C48AB8A}" type="datetimeFigureOut">
               <a:rPr lang="en-US" smtClean="0"/>
-              <a:t>11/3/2014</a:t>
+              <a:t>7/11/2015</a:t>
             </a:fld>
             <a:endParaRPr lang="en-US"/>
           </a:p>
@@ -1821,7 +1821,7 @@
           <a:p>
             <a:fld id="{D276F627-5B48-41D3-AF7B-80B10C48AB8A}" type="datetimeFigureOut">
               <a:rPr lang="en-US" smtClean="0"/>
-              <a:t>11/3/2014</a:t>
+              <a:t>7/11/2015</a:t>
             </a:fld>
             <a:endParaRPr lang="en-US"/>
           </a:p>
@@ -2098,7 +2098,7 @@
           <a:p>
             <a:fld id="{D276F627-5B48-41D3-AF7B-80B10C48AB8A}" type="datetimeFigureOut">
               <a:rPr lang="en-US" smtClean="0"/>
-              <a:t>11/3/2014</a:t>
+              <a:t>7/11/2015</a:t>
             </a:fld>
             <a:endParaRPr lang="en-US"/>
           </a:p>
@@ -2351,7 +2351,7 @@
           <a:p>
             <a:fld id="{D276F627-5B48-41D3-AF7B-80B10C48AB8A}" type="datetimeFigureOut">
               <a:rPr lang="en-US" smtClean="0"/>
-              <a:t>11/3/2014</a:t>
+              <a:t>7/11/2015</a:t>
             </a:fld>
             <a:endParaRPr lang="en-US"/>
           </a:p>
@@ -2564,7 +2564,7 @@
           <a:p>
             <a:fld id="{D276F627-5B48-41D3-AF7B-80B10C48AB8A}" type="datetimeFigureOut">
               <a:rPr lang="en-US" smtClean="0"/>
-              <a:t>11/3/2014</a:t>
+              <a:t>7/11/2015</a:t>
             </a:fld>
             <a:endParaRPr lang="en-US"/>
           </a:p>
@@ -3007,7 +3007,15 @@
             <a:pPr algn="ctr"/>
             <a:r>
               <a:rPr lang="en-US" dirty="0" smtClean="0"/>
-              <a:t>Control Software </a:t>
+              <a:t>Control </a:t>
+            </a:r>
+            <a:endParaRPr lang="en-US" dirty="0" smtClean="0"/>
+          </a:p>
+          <a:p>
+            <a:pPr algn="ctr"/>
+            <a:r>
+              <a:rPr lang="en-US" dirty="0" smtClean="0"/>
+              <a:t>Software </a:t>
             </a:r>
             <a:r>
               <a:rPr lang="en-US" dirty="0" smtClean="0"/>
@@ -3015,7 +3023,7 @@
             </a:r>
             <a:r>
               <a:rPr lang="en-US" dirty="0" smtClean="0"/>
-              <a:t>ShrewView”</a:t>
+              <a:t>ShrewDriver”</a:t>
             </a:r>
             <a:endParaRPr lang="en-US" dirty="0"/>
           </a:p>
@@ -3073,7 +3081,7 @@
         </p:nvSpPr>
         <p:spPr>
           <a:xfrm>
-            <a:off x="4704151" y="1960765"/>
+            <a:off x="4719735" y="1309255"/>
             <a:ext cx="1527464" cy="727364"/>
           </a:xfrm>
           <a:prstGeom prst="rect">
@@ -3103,7 +3111,18 @@
             <a:pPr algn="ctr"/>
             <a:r>
               <a:rPr lang="en-US" dirty="0" smtClean="0"/>
-              <a:t>Lick Sensor</a:t>
+              <a:t>Capacitive</a:t>
+            </a:r>
+          </a:p>
+          <a:p>
+            <a:pPr algn="ctr"/>
+            <a:r>
+              <a:rPr lang="en-US" dirty="0" smtClean="0"/>
+              <a:t>Lick </a:t>
+            </a:r>
+            <a:r>
+              <a:rPr lang="en-US" dirty="0" smtClean="0"/>
+              <a:t>Sensor</a:t>
             </a:r>
             <a:endParaRPr lang="en-US" dirty="0"/>
           </a:p>
@@ -3117,7 +3136,7 @@
         </p:nvSpPr>
         <p:spPr>
           <a:xfrm>
-            <a:off x="6392673" y="1960765"/>
+            <a:off x="6408257" y="1309255"/>
             <a:ext cx="1589809" cy="727364"/>
           </a:xfrm>
           <a:prstGeom prst="rect">
@@ -3161,12 +3180,17 @@
         </p:nvSpPr>
         <p:spPr>
           <a:xfrm>
-            <a:off x="5535422" y="3295997"/>
+            <a:off x="5551006" y="2644487"/>
             <a:ext cx="1641763" cy="768927"/>
           </a:xfrm>
           <a:prstGeom prst="rect">
             <a:avLst/>
           </a:prstGeom>
+          <a:solidFill>
+            <a:schemeClr val="accent6">
+              <a:lumMod val="75000"/>
+            </a:schemeClr>
+          </a:solidFill>
         </p:spPr>
         <p:style>
           <a:lnRef idx="2">
@@ -3191,7 +3215,7 @@
             <a:pPr algn="ctr"/>
             <a:r>
               <a:rPr lang="en-US" dirty="0" smtClean="0"/>
-              <a:t>Control Arduino</a:t>
+              <a:t>Sensor Arduino</a:t>
             </a:r>
             <a:endParaRPr lang="en-US" dirty="0"/>
           </a:p>
@@ -3202,14 +3226,13 @@
           <p:cNvPr id="13" name="Straight Arrow Connector 12"/>
           <p:cNvCxnSpPr>
             <a:stCxn id="7" idx="2"/>
-            <a:endCxn id="9" idx="0"/>
           </p:cNvCxnSpPr>
           <p:nvPr/>
         </p:nvCxnSpPr>
         <p:spPr>
           <a:xfrm>
-            <a:off x="5467883" y="2688129"/>
-            <a:ext cx="888421" cy="607868"/>
+            <a:off x="5483467" y="2036619"/>
+            <a:ext cx="494108" cy="607868"/>
           </a:xfrm>
           <a:prstGeom prst="straightConnector1">
             <a:avLst/>
@@ -3238,14 +3261,13 @@
           <p:cNvPr id="15" name="Straight Arrow Connector 14"/>
           <p:cNvCxnSpPr>
             <a:stCxn id="8" idx="2"/>
-            <a:endCxn id="9" idx="0"/>
           </p:cNvCxnSpPr>
           <p:nvPr/>
         </p:nvCxnSpPr>
         <p:spPr>
           <a:xfrm flipH="1">
-            <a:off x="6356304" y="2688129"/>
-            <a:ext cx="831274" cy="607868"/>
+            <a:off x="6979758" y="2036619"/>
+            <a:ext cx="223404" cy="607868"/>
           </a:xfrm>
           <a:prstGeom prst="straightConnector1">
             <a:avLst/>
@@ -3387,23 +3409,21 @@
       </p:cxnSp>
       <p:cxnSp>
         <p:nvCxnSpPr>
-          <p:cNvPr id="24" name="Straight Arrow Connector 23"/>
+          <p:cNvPr id="31" name="Straight Arrow Connector 30"/>
           <p:cNvCxnSpPr>
-            <a:stCxn id="5" idx="3"/>
-            <a:endCxn id="9" idx="1"/>
+            <a:stCxn id="9" idx="1"/>
           </p:cNvCxnSpPr>
           <p:nvPr/>
         </p:nvCxnSpPr>
         <p:spPr>
-          <a:xfrm>
-            <a:off x="4246949" y="3680461"/>
-            <a:ext cx="1288473" cy="0"/>
+          <a:xfrm flipH="1">
+            <a:off x="4240458" y="3028951"/>
+            <a:ext cx="1310548" cy="405245"/>
           </a:xfrm>
           <a:prstGeom prst="straightConnector1">
             <a:avLst/>
           </a:prstGeom>
           <a:ln>
-            <a:headEnd type="triangle"/>
             <a:tailEnd type="triangle"/>
           </a:ln>
         </p:spPr>
@@ -3424,105 +3444,23 @@
       </p:cxnSp>
       <p:sp>
         <p:nvSpPr>
-          <p:cNvPr id="29" name="Rectangle 28"/>
+          <p:cNvPr id="32" name="Rectangle 31"/>
           <p:cNvSpPr/>
           <p:nvPr/>
         </p:nvSpPr>
         <p:spPr>
           <a:xfrm>
-            <a:off x="5527630" y="4553297"/>
-            <a:ext cx="1641763" cy="768927"/>
+            <a:off x="5538023" y="3896592"/>
+            <a:ext cx="1953491" cy="768927"/>
           </a:xfrm>
           <a:prstGeom prst="rect">
             <a:avLst/>
           </a:prstGeom>
-        </p:spPr>
-        <p:style>
-          <a:lnRef idx="2">
+          <a:solidFill>
             <a:schemeClr val="accent6">
-              <a:shade val="50000"/>
+              <a:lumMod val="75000"/>
             </a:schemeClr>
-          </a:lnRef>
-          <a:fillRef idx="1">
-            <a:schemeClr val="accent6"/>
-          </a:fillRef>
-          <a:effectRef idx="0">
-            <a:schemeClr val="accent6"/>
-          </a:effectRef>
-          <a:fontRef idx="minor">
-            <a:schemeClr val="lt1"/>
-          </a:fontRef>
-        </p:style>
-        <p:txBody>
-          <a:bodyPr rtlCol="0" anchor="ctr"/>
-          <a:lstStyle/>
-          <a:p>
-            <a:pPr algn="ctr"/>
-            <a:r>
-              <a:rPr lang="en-US" dirty="0" smtClean="0"/>
-              <a:t>Stim</a:t>
-            </a:r>
-          </a:p>
-          <a:p>
-            <a:pPr algn="ctr"/>
-            <a:r>
-              <a:rPr lang="en-US" dirty="0" smtClean="0"/>
-              <a:t>Arduino</a:t>
-            </a:r>
-            <a:endParaRPr lang="en-US" dirty="0"/>
-          </a:p>
-        </p:txBody>
-      </p:sp>
-      <p:cxnSp>
-        <p:nvCxnSpPr>
-          <p:cNvPr id="31" name="Straight Arrow Connector 30"/>
-          <p:cNvCxnSpPr>
-            <a:stCxn id="9" idx="2"/>
-            <a:endCxn id="29" idx="0"/>
-          </p:cNvCxnSpPr>
-          <p:nvPr/>
-        </p:nvCxnSpPr>
-        <p:spPr>
-          <a:xfrm flipH="1">
-            <a:off x="6348512" y="4064924"/>
-            <a:ext cx="7792" cy="488373"/>
-          </a:xfrm>
-          <a:prstGeom prst="straightConnector1">
-            <a:avLst/>
-          </a:prstGeom>
-          <a:ln>
-            <a:tailEnd type="triangle"/>
-          </a:ln>
-        </p:spPr>
-        <p:style>
-          <a:lnRef idx="1">
-            <a:schemeClr val="accent1"/>
-          </a:lnRef>
-          <a:fillRef idx="0">
-            <a:schemeClr val="accent1"/>
-          </a:fillRef>
-          <a:effectRef idx="0">
-            <a:schemeClr val="accent1"/>
-          </a:effectRef>
-          <a:fontRef idx="minor">
-            <a:schemeClr val="tx1"/>
-          </a:fontRef>
-        </p:style>
-      </p:cxnSp>
-      <p:sp>
-        <p:nvSpPr>
-          <p:cNvPr id="32" name="Rectangle 31"/>
-          <p:cNvSpPr/>
-          <p:nvPr/>
-        </p:nvSpPr>
-        <p:spPr>
-          <a:xfrm>
-            <a:off x="7821421" y="4553297"/>
-            <a:ext cx="1953491" cy="768927"/>
-          </a:xfrm>
-          <a:prstGeom prst="rect">
-            <a:avLst/>
-          </a:prstGeom>
+          </a:solidFill>
         </p:spPr>
         <p:style>
           <a:lnRef idx="2">
@@ -3547,11 +3485,7 @@
             <a:pPr algn="ctr"/>
             <a:r>
               <a:rPr lang="en-US" dirty="0" smtClean="0"/>
-              <a:t>Nexus </a:t>
-            </a:r>
-            <a:r>
-              <a:rPr lang="en-US" dirty="0" smtClean="0"/>
-              <a:t>10</a:t>
+              <a:t>Nexus 10</a:t>
             </a:r>
           </a:p>
           <a:p>
@@ -3567,15 +3501,14 @@
         <p:nvCxnSpPr>
           <p:cNvPr id="34" name="Straight Arrow Connector 33"/>
           <p:cNvCxnSpPr>
-            <a:stCxn id="29" idx="3"/>
             <a:endCxn id="32" idx="1"/>
           </p:cNvCxnSpPr>
           <p:nvPr/>
         </p:nvCxnSpPr>
         <p:spPr>
           <a:xfrm>
-            <a:off x="7169393" y="4937761"/>
-            <a:ext cx="652028" cy="0"/>
+            <a:off x="4240458" y="3896592"/>
+            <a:ext cx="1297565" cy="384464"/>
           </a:xfrm>
           <a:prstGeom prst="straightConnector1">
             <a:avLst/>
@@ -3626,6 +3559,212 @@
               <a:t>ShrewDriver System Layout</a:t>
             </a:r>
             <a:endParaRPr lang="en-US" sz="3200" dirty="0"/>
+          </a:p>
+        </p:txBody>
+      </p:sp>
+      <p:sp>
+        <p:nvSpPr>
+          <p:cNvPr id="23" name="Rectangle 22"/>
+          <p:cNvSpPr/>
+          <p:nvPr/>
+        </p:nvSpPr>
+        <p:spPr>
+          <a:xfrm>
+            <a:off x="8205345" y="1309255"/>
+            <a:ext cx="1589809" cy="727364"/>
+          </a:xfrm>
+          <a:prstGeom prst="rect">
+            <a:avLst/>
+          </a:prstGeom>
+        </p:spPr>
+        <p:style>
+          <a:lnRef idx="2">
+            <a:schemeClr val="accent2">
+              <a:shade val="50000"/>
+            </a:schemeClr>
+          </a:lnRef>
+          <a:fillRef idx="1">
+            <a:schemeClr val="accent2"/>
+          </a:fillRef>
+          <a:effectRef idx="0">
+            <a:schemeClr val="accent2"/>
+          </a:effectRef>
+          <a:fontRef idx="minor">
+            <a:schemeClr val="lt1"/>
+          </a:fontRef>
+        </p:style>
+        <p:txBody>
+          <a:bodyPr rtlCol="0" anchor="ctr"/>
+          <a:lstStyle/>
+          <a:p>
+            <a:pPr algn="ctr"/>
+            <a:r>
+              <a:rPr lang="en-US" dirty="0" smtClean="0"/>
+              <a:t>Capacitive Tap</a:t>
+            </a:r>
+          </a:p>
+          <a:p>
+            <a:pPr algn="ctr"/>
+            <a:r>
+              <a:rPr lang="en-US" dirty="0" smtClean="0"/>
+              <a:t>Sensor</a:t>
+            </a:r>
+            <a:endParaRPr lang="en-US" dirty="0"/>
+          </a:p>
+        </p:txBody>
+      </p:sp>
+      <p:cxnSp>
+        <p:nvCxnSpPr>
+          <p:cNvPr id="25" name="Straight Arrow Connector 24"/>
+          <p:cNvCxnSpPr>
+            <a:endCxn id="9" idx="3"/>
+          </p:cNvCxnSpPr>
+          <p:nvPr/>
+        </p:nvCxnSpPr>
+        <p:spPr>
+          <a:xfrm flipH="1">
+            <a:off x="7192769" y="2036619"/>
+            <a:ext cx="1843850" cy="992332"/>
+          </a:xfrm>
+          <a:prstGeom prst="straightConnector1">
+            <a:avLst/>
+          </a:prstGeom>
+          <a:ln>
+            <a:tailEnd type="triangle"/>
+          </a:ln>
+        </p:spPr>
+        <p:style>
+          <a:lnRef idx="1">
+            <a:schemeClr val="accent1"/>
+          </a:lnRef>
+          <a:fillRef idx="0">
+            <a:schemeClr val="accent1"/>
+          </a:fillRef>
+          <a:effectRef idx="0">
+            <a:schemeClr val="accent1"/>
+          </a:effectRef>
+          <a:fontRef idx="minor">
+            <a:schemeClr val="tx1"/>
+          </a:fontRef>
+        </p:style>
+      </p:cxnSp>
+      <p:sp>
+        <p:nvSpPr>
+          <p:cNvPr id="30" name="TextBox 29"/>
+          <p:cNvSpPr txBox="1"/>
+          <p:nvPr/>
+        </p:nvSpPr>
+        <p:spPr>
+          <a:xfrm>
+            <a:off x="3180522" y="2355165"/>
+            <a:ext cx="626124" cy="369332"/>
+          </a:xfrm>
+          <a:prstGeom prst="rect">
+            <a:avLst/>
+          </a:prstGeom>
+          <a:noFill/>
+        </p:spPr>
+        <p:txBody>
+          <a:bodyPr wrap="square" rtlCol="0">
+            <a:spAutoFit/>
+          </a:bodyPr>
+          <a:lstStyle/>
+          <a:p>
+            <a:r>
+              <a:rPr lang="en-US" dirty="0" smtClean="0"/>
+              <a:t>USB</a:t>
+            </a:r>
+            <a:endParaRPr lang="en-US" dirty="0"/>
+          </a:p>
+        </p:txBody>
+      </p:sp>
+      <p:sp>
+        <p:nvSpPr>
+          <p:cNvPr id="33" name="TextBox 32"/>
+          <p:cNvSpPr txBox="1"/>
+          <p:nvPr/>
+        </p:nvSpPr>
+        <p:spPr>
+          <a:xfrm>
+            <a:off x="4504343" y="3996929"/>
+            <a:ext cx="707666" cy="369332"/>
+          </a:xfrm>
+          <a:prstGeom prst="rect">
+            <a:avLst/>
+          </a:prstGeom>
+          <a:noFill/>
+        </p:spPr>
+        <p:txBody>
+          <a:bodyPr wrap="square" rtlCol="0">
+            <a:spAutoFit/>
+          </a:bodyPr>
+          <a:lstStyle/>
+          <a:p>
+            <a:r>
+              <a:rPr lang="en-US" dirty="0" smtClean="0"/>
+              <a:t>Serial</a:t>
+            </a:r>
+            <a:endParaRPr lang="en-US" dirty="0"/>
+          </a:p>
+        </p:txBody>
+      </p:sp>
+      <p:sp>
+        <p:nvSpPr>
+          <p:cNvPr id="35" name="TextBox 34"/>
+          <p:cNvSpPr txBox="1"/>
+          <p:nvPr/>
+        </p:nvSpPr>
+        <p:spPr>
+          <a:xfrm>
+            <a:off x="3254617" y="4560411"/>
+            <a:ext cx="626124" cy="369332"/>
+          </a:xfrm>
+          <a:prstGeom prst="rect">
+            <a:avLst/>
+          </a:prstGeom>
+          <a:noFill/>
+        </p:spPr>
+        <p:txBody>
+          <a:bodyPr wrap="square" rtlCol="0">
+            <a:spAutoFit/>
+          </a:bodyPr>
+          <a:lstStyle/>
+          <a:p>
+            <a:r>
+              <a:rPr lang="en-US" dirty="0" smtClean="0"/>
+              <a:t>USB</a:t>
+            </a:r>
+            <a:endParaRPr lang="en-US" dirty="0"/>
+          </a:p>
+        </p:txBody>
+      </p:sp>
+      <p:sp>
+        <p:nvSpPr>
+          <p:cNvPr id="36" name="TextBox 35"/>
+          <p:cNvSpPr txBox="1"/>
+          <p:nvPr/>
+        </p:nvSpPr>
+        <p:spPr>
+          <a:xfrm>
+            <a:off x="4604100" y="2902516"/>
+            <a:ext cx="626124" cy="369332"/>
+          </a:xfrm>
+          <a:prstGeom prst="rect">
+            <a:avLst/>
+          </a:prstGeom>
+          <a:noFill/>
+        </p:spPr>
+        <p:txBody>
+          <a:bodyPr wrap="square" rtlCol="0">
+            <a:spAutoFit/>
+          </a:bodyPr>
+          <a:lstStyle/>
+          <a:p>
+            <a:r>
+              <a:rPr lang="en-US" dirty="0" smtClean="0"/>
+              <a:t>USB</a:t>
+            </a:r>
+            <a:endParaRPr lang="en-US" dirty="0"/>
           </a:p>
         </p:txBody>
       </p:sp>
